--- a/CTF/CTF.pptx
+++ b/CTF/CTF.pptx
@@ -17,6 +17,10 @@
     <p:sldId id="265" r:id="rId11"/>
     <p:sldId id="266" r:id="rId12"/>
     <p:sldId id="267" r:id="rId13"/>
+    <p:sldId id="268" r:id="rId14"/>
+    <p:sldId id="269" r:id="rId15"/>
+    <p:sldId id="270" r:id="rId16"/>
+    <p:sldId id="271" r:id="rId17"/>
   </p:sldIdLst>
   <p:sldSz cx="9144000" cy="6858000" type="screen4x3"/>
   <p:notesSz cx="6858000" cy="9144000"/>
@@ -297,9 +301,9 @@
           <a:bodyPr/>
           <a:lstStyle/>
           <a:p>
-            <a:fld id="{4B348914-34CF-4FBD-944D-3A180326E32E}" type="datetimeFigureOut">
-              <a:rPr lang="zh-TW" altLang="en-US" smtClean="0"/>
-              <a:t>2021/3/6</a:t>
+            <a:fld id="{75B27B67-E70B-44B5-84AD-5DB34D7A0BE4}" type="datetimeFigureOut">
+              <a:rPr lang="zh-TW" altLang="en-US" smtClean="0"/>
+              <a:t>2021/3/13</a:t>
             </a:fld>
             <a:endParaRPr lang="zh-TW" altLang="en-US"/>
           </a:p>
@@ -339,7 +343,7 @@
           <a:bodyPr/>
           <a:lstStyle/>
           <a:p>
-            <a:fld id="{40D44CF5-4ABC-4562-B8F0-159FE48994AA}" type="slidenum">
+            <a:fld id="{819610A2-90D0-463F-8712-C8D446669DBB}" type="slidenum">
               <a:rPr lang="zh-TW" altLang="en-US" smtClean="0"/>
               <a:t>‹#›</a:t>
             </a:fld>
@@ -350,7 +354,7 @@
     </p:spTree>
     <p:extLst>
       <p:ext uri="{BB962C8B-B14F-4D97-AF65-F5344CB8AC3E}">
-        <p14:creationId xmlns:p14="http://schemas.microsoft.com/office/powerpoint/2010/main" val="889186728"/>
+        <p14:creationId xmlns:p14="http://schemas.microsoft.com/office/powerpoint/2010/main" val="444864830"/>
       </p:ext>
     </p:extLst>
   </p:cSld>
@@ -467,9 +471,9 @@
           <a:bodyPr/>
           <a:lstStyle/>
           <a:p>
-            <a:fld id="{4B348914-34CF-4FBD-944D-3A180326E32E}" type="datetimeFigureOut">
-              <a:rPr lang="zh-TW" altLang="en-US" smtClean="0"/>
-              <a:t>2021/3/6</a:t>
+            <a:fld id="{75B27B67-E70B-44B5-84AD-5DB34D7A0BE4}" type="datetimeFigureOut">
+              <a:rPr lang="zh-TW" altLang="en-US" smtClean="0"/>
+              <a:t>2021/3/13</a:t>
             </a:fld>
             <a:endParaRPr lang="zh-TW" altLang="en-US"/>
           </a:p>
@@ -509,7 +513,7 @@
           <a:bodyPr/>
           <a:lstStyle/>
           <a:p>
-            <a:fld id="{40D44CF5-4ABC-4562-B8F0-159FE48994AA}" type="slidenum">
+            <a:fld id="{819610A2-90D0-463F-8712-C8D446669DBB}" type="slidenum">
               <a:rPr lang="zh-TW" altLang="en-US" smtClean="0"/>
               <a:t>‹#›</a:t>
             </a:fld>
@@ -520,7 +524,7 @@
     </p:spTree>
     <p:extLst>
       <p:ext uri="{BB962C8B-B14F-4D97-AF65-F5344CB8AC3E}">
-        <p14:creationId xmlns:p14="http://schemas.microsoft.com/office/powerpoint/2010/main" val="4211885909"/>
+        <p14:creationId xmlns:p14="http://schemas.microsoft.com/office/powerpoint/2010/main" val="3988106147"/>
       </p:ext>
     </p:extLst>
   </p:cSld>
@@ -647,9 +651,9 @@
           <a:bodyPr/>
           <a:lstStyle/>
           <a:p>
-            <a:fld id="{4B348914-34CF-4FBD-944D-3A180326E32E}" type="datetimeFigureOut">
-              <a:rPr lang="zh-TW" altLang="en-US" smtClean="0"/>
-              <a:t>2021/3/6</a:t>
+            <a:fld id="{75B27B67-E70B-44B5-84AD-5DB34D7A0BE4}" type="datetimeFigureOut">
+              <a:rPr lang="zh-TW" altLang="en-US" smtClean="0"/>
+              <a:t>2021/3/13</a:t>
             </a:fld>
             <a:endParaRPr lang="zh-TW" altLang="en-US"/>
           </a:p>
@@ -689,7 +693,7 @@
           <a:bodyPr/>
           <a:lstStyle/>
           <a:p>
-            <a:fld id="{40D44CF5-4ABC-4562-B8F0-159FE48994AA}" type="slidenum">
+            <a:fld id="{819610A2-90D0-463F-8712-C8D446669DBB}" type="slidenum">
               <a:rPr lang="zh-TW" altLang="en-US" smtClean="0"/>
               <a:t>‹#›</a:t>
             </a:fld>
@@ -700,7 +704,7 @@
     </p:spTree>
     <p:extLst>
       <p:ext uri="{BB962C8B-B14F-4D97-AF65-F5344CB8AC3E}">
-        <p14:creationId xmlns:p14="http://schemas.microsoft.com/office/powerpoint/2010/main" val="3416909297"/>
+        <p14:creationId xmlns:p14="http://schemas.microsoft.com/office/powerpoint/2010/main" val="3541773219"/>
       </p:ext>
     </p:extLst>
   </p:cSld>
@@ -817,9 +821,9 @@
           <a:bodyPr/>
           <a:lstStyle/>
           <a:p>
-            <a:fld id="{4B348914-34CF-4FBD-944D-3A180326E32E}" type="datetimeFigureOut">
-              <a:rPr lang="zh-TW" altLang="en-US" smtClean="0"/>
-              <a:t>2021/3/6</a:t>
+            <a:fld id="{75B27B67-E70B-44B5-84AD-5DB34D7A0BE4}" type="datetimeFigureOut">
+              <a:rPr lang="zh-TW" altLang="en-US" smtClean="0"/>
+              <a:t>2021/3/13</a:t>
             </a:fld>
             <a:endParaRPr lang="zh-TW" altLang="en-US"/>
           </a:p>
@@ -859,7 +863,7 @@
           <a:bodyPr/>
           <a:lstStyle/>
           <a:p>
-            <a:fld id="{40D44CF5-4ABC-4562-B8F0-159FE48994AA}" type="slidenum">
+            <a:fld id="{819610A2-90D0-463F-8712-C8D446669DBB}" type="slidenum">
               <a:rPr lang="zh-TW" altLang="en-US" smtClean="0"/>
               <a:t>‹#›</a:t>
             </a:fld>
@@ -870,7 +874,7 @@
     </p:spTree>
     <p:extLst>
       <p:ext uri="{BB962C8B-B14F-4D97-AF65-F5344CB8AC3E}">
-        <p14:creationId xmlns:p14="http://schemas.microsoft.com/office/powerpoint/2010/main" val="1702515481"/>
+        <p14:creationId xmlns:p14="http://schemas.microsoft.com/office/powerpoint/2010/main" val="510388024"/>
       </p:ext>
     </p:extLst>
   </p:cSld>
@@ -1063,9 +1067,9 @@
           <a:bodyPr/>
           <a:lstStyle/>
           <a:p>
-            <a:fld id="{4B348914-34CF-4FBD-944D-3A180326E32E}" type="datetimeFigureOut">
-              <a:rPr lang="zh-TW" altLang="en-US" smtClean="0"/>
-              <a:t>2021/3/6</a:t>
+            <a:fld id="{75B27B67-E70B-44B5-84AD-5DB34D7A0BE4}" type="datetimeFigureOut">
+              <a:rPr lang="zh-TW" altLang="en-US" smtClean="0"/>
+              <a:t>2021/3/13</a:t>
             </a:fld>
             <a:endParaRPr lang="zh-TW" altLang="en-US"/>
           </a:p>
@@ -1105,7 +1109,7 @@
           <a:bodyPr/>
           <a:lstStyle/>
           <a:p>
-            <a:fld id="{40D44CF5-4ABC-4562-B8F0-159FE48994AA}" type="slidenum">
+            <a:fld id="{819610A2-90D0-463F-8712-C8D446669DBB}" type="slidenum">
               <a:rPr lang="zh-TW" altLang="en-US" smtClean="0"/>
               <a:t>‹#›</a:t>
             </a:fld>
@@ -1116,7 +1120,7 @@
     </p:spTree>
     <p:extLst>
       <p:ext uri="{BB962C8B-B14F-4D97-AF65-F5344CB8AC3E}">
-        <p14:creationId xmlns:p14="http://schemas.microsoft.com/office/powerpoint/2010/main" val="3063905934"/>
+        <p14:creationId xmlns:p14="http://schemas.microsoft.com/office/powerpoint/2010/main" val="2522312003"/>
       </p:ext>
     </p:extLst>
   </p:cSld>
@@ -1351,9 +1355,9 @@
           <a:bodyPr/>
           <a:lstStyle/>
           <a:p>
-            <a:fld id="{4B348914-34CF-4FBD-944D-3A180326E32E}" type="datetimeFigureOut">
-              <a:rPr lang="zh-TW" altLang="en-US" smtClean="0"/>
-              <a:t>2021/3/6</a:t>
+            <a:fld id="{75B27B67-E70B-44B5-84AD-5DB34D7A0BE4}" type="datetimeFigureOut">
+              <a:rPr lang="zh-TW" altLang="en-US" smtClean="0"/>
+              <a:t>2021/3/13</a:t>
             </a:fld>
             <a:endParaRPr lang="zh-TW" altLang="en-US"/>
           </a:p>
@@ -1393,7 +1397,7 @@
           <a:bodyPr/>
           <a:lstStyle/>
           <a:p>
-            <a:fld id="{40D44CF5-4ABC-4562-B8F0-159FE48994AA}" type="slidenum">
+            <a:fld id="{819610A2-90D0-463F-8712-C8D446669DBB}" type="slidenum">
               <a:rPr lang="zh-TW" altLang="en-US" smtClean="0"/>
               <a:t>‹#›</a:t>
             </a:fld>
@@ -1404,7 +1408,7 @@
     </p:spTree>
     <p:extLst>
       <p:ext uri="{BB962C8B-B14F-4D97-AF65-F5344CB8AC3E}">
-        <p14:creationId xmlns:p14="http://schemas.microsoft.com/office/powerpoint/2010/main" val="3355419283"/>
+        <p14:creationId xmlns:p14="http://schemas.microsoft.com/office/powerpoint/2010/main" val="2363511809"/>
       </p:ext>
     </p:extLst>
   </p:cSld>
@@ -1773,9 +1777,9 @@
           <a:bodyPr/>
           <a:lstStyle/>
           <a:p>
-            <a:fld id="{4B348914-34CF-4FBD-944D-3A180326E32E}" type="datetimeFigureOut">
-              <a:rPr lang="zh-TW" altLang="en-US" smtClean="0"/>
-              <a:t>2021/3/6</a:t>
+            <a:fld id="{75B27B67-E70B-44B5-84AD-5DB34D7A0BE4}" type="datetimeFigureOut">
+              <a:rPr lang="zh-TW" altLang="en-US" smtClean="0"/>
+              <a:t>2021/3/13</a:t>
             </a:fld>
             <a:endParaRPr lang="zh-TW" altLang="en-US"/>
           </a:p>
@@ -1815,7 +1819,7 @@
           <a:bodyPr/>
           <a:lstStyle/>
           <a:p>
-            <a:fld id="{40D44CF5-4ABC-4562-B8F0-159FE48994AA}" type="slidenum">
+            <a:fld id="{819610A2-90D0-463F-8712-C8D446669DBB}" type="slidenum">
               <a:rPr lang="zh-TW" altLang="en-US" smtClean="0"/>
               <a:t>‹#›</a:t>
             </a:fld>
@@ -1826,7 +1830,7 @@
     </p:spTree>
     <p:extLst>
       <p:ext uri="{BB962C8B-B14F-4D97-AF65-F5344CB8AC3E}">
-        <p14:creationId xmlns:p14="http://schemas.microsoft.com/office/powerpoint/2010/main" val="1145312987"/>
+        <p14:creationId xmlns:p14="http://schemas.microsoft.com/office/powerpoint/2010/main" val="3276639918"/>
       </p:ext>
     </p:extLst>
   </p:cSld>
@@ -1891,9 +1895,9 @@
           <a:bodyPr/>
           <a:lstStyle/>
           <a:p>
-            <a:fld id="{4B348914-34CF-4FBD-944D-3A180326E32E}" type="datetimeFigureOut">
-              <a:rPr lang="zh-TW" altLang="en-US" smtClean="0"/>
-              <a:t>2021/3/6</a:t>
+            <a:fld id="{75B27B67-E70B-44B5-84AD-5DB34D7A0BE4}" type="datetimeFigureOut">
+              <a:rPr lang="zh-TW" altLang="en-US" smtClean="0"/>
+              <a:t>2021/3/13</a:t>
             </a:fld>
             <a:endParaRPr lang="zh-TW" altLang="en-US"/>
           </a:p>
@@ -1933,7 +1937,7 @@
           <a:bodyPr/>
           <a:lstStyle/>
           <a:p>
-            <a:fld id="{40D44CF5-4ABC-4562-B8F0-159FE48994AA}" type="slidenum">
+            <a:fld id="{819610A2-90D0-463F-8712-C8D446669DBB}" type="slidenum">
               <a:rPr lang="zh-TW" altLang="en-US" smtClean="0"/>
               <a:t>‹#›</a:t>
             </a:fld>
@@ -1944,7 +1948,7 @@
     </p:spTree>
     <p:extLst>
       <p:ext uri="{BB962C8B-B14F-4D97-AF65-F5344CB8AC3E}">
-        <p14:creationId xmlns:p14="http://schemas.microsoft.com/office/powerpoint/2010/main" val="2621687546"/>
+        <p14:creationId xmlns:p14="http://schemas.microsoft.com/office/powerpoint/2010/main" val="3075934808"/>
       </p:ext>
     </p:extLst>
   </p:cSld>
@@ -1986,9 +1990,9 @@
           <a:bodyPr/>
           <a:lstStyle/>
           <a:p>
-            <a:fld id="{4B348914-34CF-4FBD-944D-3A180326E32E}" type="datetimeFigureOut">
-              <a:rPr lang="zh-TW" altLang="en-US" smtClean="0"/>
-              <a:t>2021/3/6</a:t>
+            <a:fld id="{75B27B67-E70B-44B5-84AD-5DB34D7A0BE4}" type="datetimeFigureOut">
+              <a:rPr lang="zh-TW" altLang="en-US" smtClean="0"/>
+              <a:t>2021/3/13</a:t>
             </a:fld>
             <a:endParaRPr lang="zh-TW" altLang="en-US"/>
           </a:p>
@@ -2028,7 +2032,7 @@
           <a:bodyPr/>
           <a:lstStyle/>
           <a:p>
-            <a:fld id="{40D44CF5-4ABC-4562-B8F0-159FE48994AA}" type="slidenum">
+            <a:fld id="{819610A2-90D0-463F-8712-C8D446669DBB}" type="slidenum">
               <a:rPr lang="zh-TW" altLang="en-US" smtClean="0"/>
               <a:t>‹#›</a:t>
             </a:fld>
@@ -2039,7 +2043,7 @@
     </p:spTree>
     <p:extLst>
       <p:ext uri="{BB962C8B-B14F-4D97-AF65-F5344CB8AC3E}">
-        <p14:creationId xmlns:p14="http://schemas.microsoft.com/office/powerpoint/2010/main" val="1290145955"/>
+        <p14:creationId xmlns:p14="http://schemas.microsoft.com/office/powerpoint/2010/main" val="775724332"/>
       </p:ext>
     </p:extLst>
   </p:cSld>
@@ -2263,9 +2267,9 @@
           <a:bodyPr/>
           <a:lstStyle/>
           <a:p>
-            <a:fld id="{4B348914-34CF-4FBD-944D-3A180326E32E}" type="datetimeFigureOut">
-              <a:rPr lang="zh-TW" altLang="en-US" smtClean="0"/>
-              <a:t>2021/3/6</a:t>
+            <a:fld id="{75B27B67-E70B-44B5-84AD-5DB34D7A0BE4}" type="datetimeFigureOut">
+              <a:rPr lang="zh-TW" altLang="en-US" smtClean="0"/>
+              <a:t>2021/3/13</a:t>
             </a:fld>
             <a:endParaRPr lang="zh-TW" altLang="en-US"/>
           </a:p>
@@ -2305,7 +2309,7 @@
           <a:bodyPr/>
           <a:lstStyle/>
           <a:p>
-            <a:fld id="{40D44CF5-4ABC-4562-B8F0-159FE48994AA}" type="slidenum">
+            <a:fld id="{819610A2-90D0-463F-8712-C8D446669DBB}" type="slidenum">
               <a:rPr lang="zh-TW" altLang="en-US" smtClean="0"/>
               <a:t>‹#›</a:t>
             </a:fld>
@@ -2316,7 +2320,7 @@
     </p:spTree>
     <p:extLst>
       <p:ext uri="{BB962C8B-B14F-4D97-AF65-F5344CB8AC3E}">
-        <p14:creationId xmlns:p14="http://schemas.microsoft.com/office/powerpoint/2010/main" val="893258314"/>
+        <p14:creationId xmlns:p14="http://schemas.microsoft.com/office/powerpoint/2010/main" val="1695710895"/>
       </p:ext>
     </p:extLst>
   </p:cSld>
@@ -2516,9 +2520,9 @@
           <a:bodyPr/>
           <a:lstStyle/>
           <a:p>
-            <a:fld id="{4B348914-34CF-4FBD-944D-3A180326E32E}" type="datetimeFigureOut">
-              <a:rPr lang="zh-TW" altLang="en-US" smtClean="0"/>
-              <a:t>2021/3/6</a:t>
+            <a:fld id="{75B27B67-E70B-44B5-84AD-5DB34D7A0BE4}" type="datetimeFigureOut">
+              <a:rPr lang="zh-TW" altLang="en-US" smtClean="0"/>
+              <a:t>2021/3/13</a:t>
             </a:fld>
             <a:endParaRPr lang="zh-TW" altLang="en-US"/>
           </a:p>
@@ -2558,7 +2562,7 @@
           <a:bodyPr/>
           <a:lstStyle/>
           <a:p>
-            <a:fld id="{40D44CF5-4ABC-4562-B8F0-159FE48994AA}" type="slidenum">
+            <a:fld id="{819610A2-90D0-463F-8712-C8D446669DBB}" type="slidenum">
               <a:rPr lang="zh-TW" altLang="en-US" smtClean="0"/>
               <a:t>‹#›</a:t>
             </a:fld>
@@ -2569,7 +2573,7 @@
     </p:spTree>
     <p:extLst>
       <p:ext uri="{BB962C8B-B14F-4D97-AF65-F5344CB8AC3E}">
-        <p14:creationId xmlns:p14="http://schemas.microsoft.com/office/powerpoint/2010/main" val="2540991500"/>
+        <p14:creationId xmlns:p14="http://schemas.microsoft.com/office/powerpoint/2010/main" val="3101399047"/>
       </p:ext>
     </p:extLst>
   </p:cSld>
@@ -2729,9 +2733,9 @@
             </a:lvl1pPr>
           </a:lstStyle>
           <a:p>
-            <a:fld id="{4B348914-34CF-4FBD-944D-3A180326E32E}" type="datetimeFigureOut">
-              <a:rPr lang="zh-TW" altLang="en-US" smtClean="0"/>
-              <a:t>2021/3/6</a:t>
+            <a:fld id="{75B27B67-E70B-44B5-84AD-5DB34D7A0BE4}" type="datetimeFigureOut">
+              <a:rPr lang="zh-TW" altLang="en-US" smtClean="0"/>
+              <a:t>2021/3/13</a:t>
             </a:fld>
             <a:endParaRPr lang="zh-TW" altLang="en-US"/>
           </a:p>
@@ -2807,7 +2811,7 @@
             </a:lvl1pPr>
           </a:lstStyle>
           <a:p>
-            <a:fld id="{40D44CF5-4ABC-4562-B8F0-159FE48994AA}" type="slidenum">
+            <a:fld id="{819610A2-90D0-463F-8712-C8D446669DBB}" type="slidenum">
               <a:rPr lang="zh-TW" altLang="en-US" smtClean="0"/>
               <a:t>‹#›</a:t>
             </a:fld>
@@ -2818,7 +2822,7 @@
     </p:spTree>
     <p:extLst>
       <p:ext uri="{BB962C8B-B14F-4D97-AF65-F5344CB8AC3E}">
-        <p14:creationId xmlns:p14="http://schemas.microsoft.com/office/powerpoint/2010/main" val="3415213859"/>
+        <p14:creationId xmlns:p14="http://schemas.microsoft.com/office/powerpoint/2010/main" val="3057861176"/>
       </p:ext>
     </p:extLst>
   </p:cSld>
@@ -3146,7 +3150,7 @@
           <a:p>
             <a:r>
               <a:rPr lang="en-US" altLang="zh-TW" dirty="0" smtClean="0"/>
-              <a:t>0306</a:t>
+              <a:t>20210313</a:t>
             </a:r>
             <a:endParaRPr lang="zh-TW" altLang="en-US" dirty="0"/>
           </a:p>
@@ -3155,7 +3159,7 @@
     </p:spTree>
     <p:extLst>
       <p:ext uri="{BB962C8B-B14F-4D97-AF65-F5344CB8AC3E}">
-        <p14:creationId xmlns:p14="http://schemas.microsoft.com/office/powerpoint/2010/main" val="432121876"/>
+        <p14:creationId xmlns:p14="http://schemas.microsoft.com/office/powerpoint/2010/main" val="3234853967"/>
       </p:ext>
     </p:extLst>
   </p:cSld>
@@ -3197,13 +3201,17 @@
           <a:bodyPr/>
           <a:lstStyle/>
           <a:p>
-            <a:endParaRPr lang="zh-TW" altLang="en-US"/>
+            <a:r>
+              <a:rPr lang="en-US" altLang="zh-TW" dirty="0" smtClean="0"/>
+              <a:t>64</a:t>
+            </a:r>
+            <a:endParaRPr lang="zh-TW" altLang="en-US" dirty="0"/>
           </a:p>
         </p:txBody>
       </p:sp>
       <p:pic>
         <p:nvPicPr>
-          <p:cNvPr id="9218" name="Picture 2"/>
+          <p:cNvPr id="9219" name="Picture 3"/>
           <p:cNvPicPr>
             <a:picLocks noGrp="1" noChangeAspect="1" noChangeArrowheads="1"/>
           </p:cNvPicPr>
@@ -3226,8 +3234,8 @@
         </p:blipFill>
         <p:spPr bwMode="auto">
           <a:xfrm>
-            <a:off x="2319243" y="1600200"/>
-            <a:ext cx="4505514" cy="4525963"/>
+            <a:off x="1200526" y="1600200"/>
+            <a:ext cx="6742948" cy="4525963"/>
           </a:xfrm>
           <a:prstGeom prst="rect">
             <a:avLst/>
@@ -3260,7 +3268,7 @@
     </p:spTree>
     <p:extLst>
       <p:ext uri="{BB962C8B-B14F-4D97-AF65-F5344CB8AC3E}">
-        <p14:creationId xmlns:p14="http://schemas.microsoft.com/office/powerpoint/2010/main" val="940801764"/>
+        <p14:creationId xmlns:p14="http://schemas.microsoft.com/office/powerpoint/2010/main" val="72679418"/>
       </p:ext>
     </p:extLst>
   </p:cSld>
@@ -3308,7 +3316,7 @@
       </p:sp>
       <p:pic>
         <p:nvPicPr>
-          <p:cNvPr id="10243" name="Picture 3"/>
+          <p:cNvPr id="10242" name="Picture 2"/>
           <p:cNvPicPr>
             <a:picLocks noGrp="1" noChangeAspect="1" noChangeArrowheads="1"/>
           </p:cNvPicPr>
@@ -3331,8 +3339,8 @@
         </p:blipFill>
         <p:spPr bwMode="auto">
           <a:xfrm>
-            <a:off x="971600" y="404664"/>
-            <a:ext cx="7191375" cy="4457700"/>
+            <a:off x="457200" y="1787021"/>
+            <a:ext cx="8229600" cy="4152320"/>
           </a:xfrm>
           <a:prstGeom prst="rect">
             <a:avLst/>
@@ -3362,64 +3370,10 @@
           </a:extLst>
         </p:spPr>
       </p:pic>
-      <p:pic>
-        <p:nvPicPr>
-          <p:cNvPr id="10244" name="Picture 4"/>
-          <p:cNvPicPr>
-            <a:picLocks noChangeAspect="1" noChangeArrowheads="1"/>
-          </p:cNvPicPr>
-          <p:nvPr/>
-        </p:nvPicPr>
-        <p:blipFill>
-          <a:blip r:embed="rId3">
-            <a:extLst>
-              <a:ext uri="{28A0092B-C50C-407E-A947-70E740481C1C}">
-                <a14:useLocalDpi xmlns:a14="http://schemas.microsoft.com/office/drawing/2010/main" val="0"/>
-              </a:ext>
-            </a:extLst>
-          </a:blip>
-          <a:srcRect/>
-          <a:stretch>
-            <a:fillRect/>
-          </a:stretch>
-        </p:blipFill>
-        <p:spPr bwMode="auto">
-          <a:xfrm>
-            <a:off x="2051720" y="5301208"/>
-            <a:ext cx="5162550" cy="619125"/>
-          </a:xfrm>
-          <a:prstGeom prst="rect">
-            <a:avLst/>
-          </a:prstGeom>
-          <a:noFill/>
-          <a:ln>
-            <a:noFill/>
-          </a:ln>
-          <a:extLst>
-            <a:ext uri="{909E8E84-426E-40DD-AFC4-6F175D3DCCD1}">
-              <a14:hiddenFill xmlns:a14="http://schemas.microsoft.com/office/drawing/2010/main">
-                <a:solidFill>
-                  <a:schemeClr val="accent1"/>
-                </a:solidFill>
-              </a14:hiddenFill>
-            </a:ext>
-            <a:ext uri="{91240B29-F687-4F45-9708-019B960494DF}">
-              <a14:hiddenLine xmlns:a14="http://schemas.microsoft.com/office/drawing/2010/main" w="9525">
-                <a:solidFill>
-                  <a:schemeClr val="tx1"/>
-                </a:solidFill>
-                <a:miter lim="800000"/>
-                <a:headEnd/>
-                <a:tailEnd/>
-              </a14:hiddenLine>
-            </a:ext>
-          </a:extLst>
-        </p:spPr>
-      </p:pic>
     </p:spTree>
     <p:extLst>
       <p:ext uri="{BB962C8B-B14F-4D97-AF65-F5344CB8AC3E}">
-        <p14:creationId xmlns:p14="http://schemas.microsoft.com/office/powerpoint/2010/main" val="1485872566"/>
+        <p14:creationId xmlns:p14="http://schemas.microsoft.com/office/powerpoint/2010/main" val="4221360522"/>
       </p:ext>
     </p:extLst>
   </p:cSld>
@@ -3490,8 +3444,8 @@
         </p:blipFill>
         <p:spPr bwMode="auto">
           <a:xfrm>
-            <a:off x="2333751" y="1600200"/>
-            <a:ext cx="4476498" cy="4525963"/>
+            <a:off x="3163238" y="1600200"/>
+            <a:ext cx="2817523" cy="4525963"/>
           </a:xfrm>
           <a:prstGeom prst="rect">
             <a:avLst/>
@@ -3524,7 +3478,481 @@
     </p:spTree>
     <p:extLst>
       <p:ext uri="{BB962C8B-B14F-4D97-AF65-F5344CB8AC3E}">
-        <p14:creationId xmlns:p14="http://schemas.microsoft.com/office/powerpoint/2010/main" val="3558893978"/>
+        <p14:creationId xmlns:p14="http://schemas.microsoft.com/office/powerpoint/2010/main" val="205605420"/>
+      </p:ext>
+    </p:extLst>
+  </p:cSld>
+  <p:clrMapOvr>
+    <a:masterClrMapping/>
+  </p:clrMapOvr>
+</p:sld>
+</file>
+
+<file path=ppt/slides/slide13.xml><?xml version="1.0" encoding="utf-8"?>
+<p:sld xmlns:a="http://schemas.openxmlformats.org/drawingml/2006/main" xmlns:r="http://schemas.openxmlformats.org/officeDocument/2006/relationships" xmlns:p="http://schemas.openxmlformats.org/presentationml/2006/main">
+  <p:cSld>
+    <p:spTree>
+      <p:nvGrpSpPr>
+        <p:cNvPr id="1" name=""/>
+        <p:cNvGrpSpPr/>
+        <p:nvPr/>
+      </p:nvGrpSpPr>
+      <p:grpSpPr>
+        <a:xfrm>
+          <a:off x="0" y="0"/>
+          <a:ext cx="0" cy="0"/>
+          <a:chOff x="0" y="0"/>
+          <a:chExt cx="0" cy="0"/>
+        </a:xfrm>
+      </p:grpSpPr>
+      <p:sp>
+        <p:nvSpPr>
+          <p:cNvPr id="2" name="標題 1"/>
+          <p:cNvSpPr>
+            <a:spLocks noGrp="1"/>
+          </p:cNvSpPr>
+          <p:nvPr>
+            <p:ph type="title"/>
+          </p:nvPr>
+        </p:nvSpPr>
+        <p:spPr/>
+        <p:txBody>
+          <a:bodyPr/>
+          <a:lstStyle/>
+          <a:p>
+            <a:endParaRPr lang="zh-TW" altLang="en-US"/>
+          </a:p>
+        </p:txBody>
+      </p:sp>
+      <p:pic>
+        <p:nvPicPr>
+          <p:cNvPr id="12290" name="Picture 2"/>
+          <p:cNvPicPr>
+            <a:picLocks noGrp="1" noChangeAspect="1" noChangeArrowheads="1"/>
+          </p:cNvPicPr>
+          <p:nvPr>
+            <p:ph idx="1"/>
+          </p:nvPr>
+        </p:nvPicPr>
+        <p:blipFill>
+          <a:blip r:embed="rId2">
+            <a:extLst>
+              <a:ext uri="{28A0092B-C50C-407E-A947-70E740481C1C}">
+                <a14:useLocalDpi xmlns:a14="http://schemas.microsoft.com/office/drawing/2010/main" val="0"/>
+              </a:ext>
+            </a:extLst>
+          </a:blip>
+          <a:srcRect/>
+          <a:stretch>
+            <a:fillRect/>
+          </a:stretch>
+        </p:blipFill>
+        <p:spPr bwMode="auto">
+          <a:xfrm>
+            <a:off x="1671868" y="1600200"/>
+            <a:ext cx="5800263" cy="4525963"/>
+          </a:xfrm>
+          <a:prstGeom prst="rect">
+            <a:avLst/>
+          </a:prstGeom>
+          <a:noFill/>
+          <a:ln>
+            <a:noFill/>
+          </a:ln>
+          <a:extLst>
+            <a:ext uri="{909E8E84-426E-40DD-AFC4-6F175D3DCCD1}">
+              <a14:hiddenFill xmlns:a14="http://schemas.microsoft.com/office/drawing/2010/main">
+                <a:solidFill>
+                  <a:schemeClr val="accent1"/>
+                </a:solidFill>
+              </a14:hiddenFill>
+            </a:ext>
+            <a:ext uri="{91240B29-F687-4F45-9708-019B960494DF}">
+              <a14:hiddenLine xmlns:a14="http://schemas.microsoft.com/office/drawing/2010/main" w="9525">
+                <a:solidFill>
+                  <a:schemeClr val="tx1"/>
+                </a:solidFill>
+                <a:miter lim="800000"/>
+                <a:headEnd/>
+                <a:tailEnd/>
+              </a14:hiddenLine>
+            </a:ext>
+          </a:extLst>
+        </p:spPr>
+      </p:pic>
+    </p:spTree>
+    <p:extLst>
+      <p:ext uri="{BB962C8B-B14F-4D97-AF65-F5344CB8AC3E}">
+        <p14:creationId xmlns:p14="http://schemas.microsoft.com/office/powerpoint/2010/main" val="1532160048"/>
+      </p:ext>
+    </p:extLst>
+  </p:cSld>
+  <p:clrMapOvr>
+    <a:masterClrMapping/>
+  </p:clrMapOvr>
+</p:sld>
+</file>
+
+<file path=ppt/slides/slide14.xml><?xml version="1.0" encoding="utf-8"?>
+<p:sld xmlns:a="http://schemas.openxmlformats.org/drawingml/2006/main" xmlns:r="http://schemas.openxmlformats.org/officeDocument/2006/relationships" xmlns:p="http://schemas.openxmlformats.org/presentationml/2006/main">
+  <p:cSld>
+    <p:spTree>
+      <p:nvGrpSpPr>
+        <p:cNvPr id="1" name=""/>
+        <p:cNvGrpSpPr/>
+        <p:nvPr/>
+      </p:nvGrpSpPr>
+      <p:grpSpPr>
+        <a:xfrm>
+          <a:off x="0" y="0"/>
+          <a:ext cx="0" cy="0"/>
+          <a:chOff x="0" y="0"/>
+          <a:chExt cx="0" cy="0"/>
+        </a:xfrm>
+      </p:grpSpPr>
+      <p:sp>
+        <p:nvSpPr>
+          <p:cNvPr id="2" name="標題 1"/>
+          <p:cNvSpPr>
+            <a:spLocks noGrp="1"/>
+          </p:cNvSpPr>
+          <p:nvPr>
+            <p:ph type="title"/>
+          </p:nvPr>
+        </p:nvSpPr>
+        <p:spPr/>
+        <p:txBody>
+          <a:bodyPr/>
+          <a:lstStyle/>
+          <a:p>
+            <a:endParaRPr lang="zh-TW" altLang="en-US"/>
+          </a:p>
+        </p:txBody>
+      </p:sp>
+      <p:pic>
+        <p:nvPicPr>
+          <p:cNvPr id="13314" name="Picture 2"/>
+          <p:cNvPicPr>
+            <a:picLocks noGrp="1" noChangeAspect="1" noChangeArrowheads="1"/>
+          </p:cNvPicPr>
+          <p:nvPr>
+            <p:ph idx="1"/>
+          </p:nvPr>
+        </p:nvPicPr>
+        <p:blipFill>
+          <a:blip r:embed="rId2">
+            <a:extLst>
+              <a:ext uri="{28A0092B-C50C-407E-A947-70E740481C1C}">
+                <a14:useLocalDpi xmlns:a14="http://schemas.microsoft.com/office/drawing/2010/main" val="0"/>
+              </a:ext>
+            </a:extLst>
+          </a:blip>
+          <a:srcRect/>
+          <a:stretch>
+            <a:fillRect/>
+          </a:stretch>
+        </p:blipFill>
+        <p:spPr bwMode="auto">
+          <a:xfrm>
+            <a:off x="1781175" y="2086769"/>
+            <a:ext cx="5581650" cy="3552825"/>
+          </a:xfrm>
+          <a:prstGeom prst="rect">
+            <a:avLst/>
+          </a:prstGeom>
+          <a:noFill/>
+          <a:ln>
+            <a:noFill/>
+          </a:ln>
+          <a:extLst>
+            <a:ext uri="{909E8E84-426E-40DD-AFC4-6F175D3DCCD1}">
+              <a14:hiddenFill xmlns:a14="http://schemas.microsoft.com/office/drawing/2010/main">
+                <a:solidFill>
+                  <a:schemeClr val="accent1"/>
+                </a:solidFill>
+              </a14:hiddenFill>
+            </a:ext>
+            <a:ext uri="{91240B29-F687-4F45-9708-019B960494DF}">
+              <a14:hiddenLine xmlns:a14="http://schemas.microsoft.com/office/drawing/2010/main" w="9525">
+                <a:solidFill>
+                  <a:schemeClr val="tx1"/>
+                </a:solidFill>
+                <a:miter lim="800000"/>
+                <a:headEnd/>
+                <a:tailEnd/>
+              </a14:hiddenLine>
+            </a:ext>
+          </a:extLst>
+        </p:spPr>
+      </p:pic>
+    </p:spTree>
+    <p:extLst>
+      <p:ext uri="{BB962C8B-B14F-4D97-AF65-F5344CB8AC3E}">
+        <p14:creationId xmlns:p14="http://schemas.microsoft.com/office/powerpoint/2010/main" val="2336275663"/>
+      </p:ext>
+    </p:extLst>
+  </p:cSld>
+  <p:clrMapOvr>
+    <a:masterClrMapping/>
+  </p:clrMapOvr>
+</p:sld>
+</file>
+
+<file path=ppt/slides/slide15.xml><?xml version="1.0" encoding="utf-8"?>
+<p:sld xmlns:a="http://schemas.openxmlformats.org/drawingml/2006/main" xmlns:r="http://schemas.openxmlformats.org/officeDocument/2006/relationships" xmlns:p="http://schemas.openxmlformats.org/presentationml/2006/main">
+  <p:cSld>
+    <p:spTree>
+      <p:nvGrpSpPr>
+        <p:cNvPr id="1" name=""/>
+        <p:cNvGrpSpPr/>
+        <p:nvPr/>
+      </p:nvGrpSpPr>
+      <p:grpSpPr>
+        <a:xfrm>
+          <a:off x="0" y="0"/>
+          <a:ext cx="0" cy="0"/>
+          <a:chOff x="0" y="0"/>
+          <a:chExt cx="0" cy="0"/>
+        </a:xfrm>
+      </p:grpSpPr>
+      <p:sp>
+        <p:nvSpPr>
+          <p:cNvPr id="2" name="標題 1"/>
+          <p:cNvSpPr>
+            <a:spLocks noGrp="1"/>
+          </p:cNvSpPr>
+          <p:nvPr>
+            <p:ph type="title"/>
+          </p:nvPr>
+        </p:nvSpPr>
+        <p:spPr/>
+        <p:txBody>
+          <a:bodyPr/>
+          <a:lstStyle/>
+          <a:p>
+            <a:endParaRPr lang="zh-TW" altLang="en-US" dirty="0"/>
+          </a:p>
+        </p:txBody>
+      </p:sp>
+      <p:pic>
+        <p:nvPicPr>
+          <p:cNvPr id="14338" name="Picture 2"/>
+          <p:cNvPicPr>
+            <a:picLocks noGrp="1" noChangeAspect="1" noChangeArrowheads="1"/>
+          </p:cNvPicPr>
+          <p:nvPr>
+            <p:ph idx="1"/>
+          </p:nvPr>
+        </p:nvPicPr>
+        <p:blipFill>
+          <a:blip r:embed="rId2">
+            <a:extLst>
+              <a:ext uri="{28A0092B-C50C-407E-A947-70E740481C1C}">
+                <a14:useLocalDpi xmlns:a14="http://schemas.microsoft.com/office/drawing/2010/main" val="0"/>
+              </a:ext>
+            </a:extLst>
+          </a:blip>
+          <a:srcRect/>
+          <a:stretch>
+            <a:fillRect/>
+          </a:stretch>
+        </p:blipFill>
+        <p:spPr bwMode="auto">
+          <a:xfrm>
+            <a:off x="1568475" y="1600200"/>
+            <a:ext cx="6007050" cy="4525963"/>
+          </a:xfrm>
+          <a:prstGeom prst="rect">
+            <a:avLst/>
+          </a:prstGeom>
+          <a:noFill/>
+          <a:ln>
+            <a:noFill/>
+          </a:ln>
+          <a:extLst>
+            <a:ext uri="{909E8E84-426E-40DD-AFC4-6F175D3DCCD1}">
+              <a14:hiddenFill xmlns:a14="http://schemas.microsoft.com/office/drawing/2010/main">
+                <a:solidFill>
+                  <a:schemeClr val="accent1"/>
+                </a:solidFill>
+              </a14:hiddenFill>
+            </a:ext>
+            <a:ext uri="{91240B29-F687-4F45-9708-019B960494DF}">
+              <a14:hiddenLine xmlns:a14="http://schemas.microsoft.com/office/drawing/2010/main" w="9525">
+                <a:solidFill>
+                  <a:schemeClr val="tx1"/>
+                </a:solidFill>
+                <a:miter lim="800000"/>
+                <a:headEnd/>
+                <a:tailEnd/>
+              </a14:hiddenLine>
+            </a:ext>
+          </a:extLst>
+        </p:spPr>
+      </p:pic>
+      <p:pic>
+        <p:nvPicPr>
+          <p:cNvPr id="14339" name="Picture 3"/>
+          <p:cNvPicPr>
+            <a:picLocks noChangeAspect="1" noChangeArrowheads="1"/>
+          </p:cNvPicPr>
+          <p:nvPr/>
+        </p:nvPicPr>
+        <p:blipFill>
+          <a:blip r:embed="rId3">
+            <a:extLst>
+              <a:ext uri="{28A0092B-C50C-407E-A947-70E740481C1C}">
+                <a14:useLocalDpi xmlns:a14="http://schemas.microsoft.com/office/drawing/2010/main" val="0"/>
+              </a:ext>
+            </a:extLst>
+          </a:blip>
+          <a:srcRect/>
+          <a:stretch>
+            <a:fillRect/>
+          </a:stretch>
+        </p:blipFill>
+        <p:spPr bwMode="auto">
+          <a:xfrm>
+            <a:off x="3515667" y="260648"/>
+            <a:ext cx="2160240" cy="1190804"/>
+          </a:xfrm>
+          <a:prstGeom prst="rect">
+            <a:avLst/>
+          </a:prstGeom>
+          <a:noFill/>
+          <a:ln>
+            <a:noFill/>
+          </a:ln>
+          <a:extLst>
+            <a:ext uri="{909E8E84-426E-40DD-AFC4-6F175D3DCCD1}">
+              <a14:hiddenFill xmlns:a14="http://schemas.microsoft.com/office/drawing/2010/main">
+                <a:solidFill>
+                  <a:schemeClr val="accent1"/>
+                </a:solidFill>
+              </a14:hiddenFill>
+            </a:ext>
+            <a:ext uri="{91240B29-F687-4F45-9708-019B960494DF}">
+              <a14:hiddenLine xmlns:a14="http://schemas.microsoft.com/office/drawing/2010/main" w="9525">
+                <a:solidFill>
+                  <a:schemeClr val="tx1"/>
+                </a:solidFill>
+                <a:miter lim="800000"/>
+                <a:headEnd/>
+                <a:tailEnd/>
+              </a14:hiddenLine>
+            </a:ext>
+          </a:extLst>
+        </p:spPr>
+      </p:pic>
+    </p:spTree>
+    <p:extLst>
+      <p:ext uri="{BB962C8B-B14F-4D97-AF65-F5344CB8AC3E}">
+        <p14:creationId xmlns:p14="http://schemas.microsoft.com/office/powerpoint/2010/main" val="52136425"/>
+      </p:ext>
+    </p:extLst>
+  </p:cSld>
+  <p:clrMapOvr>
+    <a:masterClrMapping/>
+  </p:clrMapOvr>
+</p:sld>
+</file>
+
+<file path=ppt/slides/slide16.xml><?xml version="1.0" encoding="utf-8"?>
+<p:sld xmlns:a="http://schemas.openxmlformats.org/drawingml/2006/main" xmlns:r="http://schemas.openxmlformats.org/officeDocument/2006/relationships" xmlns:p="http://schemas.openxmlformats.org/presentationml/2006/main">
+  <p:cSld>
+    <p:spTree>
+      <p:nvGrpSpPr>
+        <p:cNvPr id="1" name=""/>
+        <p:cNvGrpSpPr/>
+        <p:nvPr/>
+      </p:nvGrpSpPr>
+      <p:grpSpPr>
+        <a:xfrm>
+          <a:off x="0" y="0"/>
+          <a:ext cx="0" cy="0"/>
+          <a:chOff x="0" y="0"/>
+          <a:chExt cx="0" cy="0"/>
+        </a:xfrm>
+      </p:grpSpPr>
+      <p:sp>
+        <p:nvSpPr>
+          <p:cNvPr id="2" name="標題 1"/>
+          <p:cNvSpPr>
+            <a:spLocks noGrp="1"/>
+          </p:cNvSpPr>
+          <p:nvPr>
+            <p:ph type="title"/>
+          </p:nvPr>
+        </p:nvSpPr>
+        <p:spPr/>
+        <p:txBody>
+          <a:bodyPr/>
+          <a:lstStyle/>
+          <a:p>
+            <a:endParaRPr lang="zh-TW" altLang="en-US"/>
+          </a:p>
+        </p:txBody>
+      </p:sp>
+      <p:pic>
+        <p:nvPicPr>
+          <p:cNvPr id="15362" name="Picture 2"/>
+          <p:cNvPicPr>
+            <a:picLocks noGrp="1" noChangeAspect="1" noChangeArrowheads="1"/>
+          </p:cNvPicPr>
+          <p:nvPr>
+            <p:ph idx="1"/>
+          </p:nvPr>
+        </p:nvPicPr>
+        <p:blipFill>
+          <a:blip r:embed="rId2">
+            <a:extLst>
+              <a:ext uri="{28A0092B-C50C-407E-A947-70E740481C1C}">
+                <a14:useLocalDpi xmlns:a14="http://schemas.microsoft.com/office/drawing/2010/main" val="0"/>
+              </a:ext>
+            </a:extLst>
+          </a:blip>
+          <a:srcRect/>
+          <a:stretch>
+            <a:fillRect/>
+          </a:stretch>
+        </p:blipFill>
+        <p:spPr bwMode="auto">
+          <a:xfrm>
+            <a:off x="1574773" y="1600200"/>
+            <a:ext cx="5994453" cy="4525963"/>
+          </a:xfrm>
+          <a:prstGeom prst="rect">
+            <a:avLst/>
+          </a:prstGeom>
+          <a:noFill/>
+          <a:ln>
+            <a:noFill/>
+          </a:ln>
+          <a:extLst>
+            <a:ext uri="{909E8E84-426E-40DD-AFC4-6F175D3DCCD1}">
+              <a14:hiddenFill xmlns:a14="http://schemas.microsoft.com/office/drawing/2010/main">
+                <a:solidFill>
+                  <a:schemeClr val="accent1"/>
+                </a:solidFill>
+              </a14:hiddenFill>
+            </a:ext>
+            <a:ext uri="{91240B29-F687-4F45-9708-019B960494DF}">
+              <a14:hiddenLine xmlns:a14="http://schemas.microsoft.com/office/drawing/2010/main" w="9525">
+                <a:solidFill>
+                  <a:schemeClr val="tx1"/>
+                </a:solidFill>
+                <a:miter lim="800000"/>
+                <a:headEnd/>
+                <a:tailEnd/>
+              </a14:hiddenLine>
+            </a:ext>
+          </a:extLst>
+        </p:spPr>
+      </p:pic>
+    </p:spTree>
+    <p:extLst>
+      <p:ext uri="{BB962C8B-B14F-4D97-AF65-F5344CB8AC3E}">
+        <p14:creationId xmlns:p14="http://schemas.microsoft.com/office/powerpoint/2010/main" val="736361032"/>
       </p:ext>
     </p:extLst>
   </p:cSld>
@@ -3595,8 +4023,8 @@
         </p:blipFill>
         <p:spPr bwMode="auto">
           <a:xfrm>
-            <a:off x="2123728" y="1628800"/>
-            <a:ext cx="4221655" cy="4525963"/>
+            <a:off x="1553869" y="1600200"/>
+            <a:ext cx="6036262" cy="4525963"/>
           </a:xfrm>
           <a:prstGeom prst="rect">
             <a:avLst/>
@@ -3629,7 +4057,7 @@
     </p:spTree>
     <p:extLst>
       <p:ext uri="{BB962C8B-B14F-4D97-AF65-F5344CB8AC3E}">
-        <p14:creationId xmlns:p14="http://schemas.microsoft.com/office/powerpoint/2010/main" val="330029273"/>
+        <p14:creationId xmlns:p14="http://schemas.microsoft.com/office/powerpoint/2010/main" val="1784655658"/>
       </p:ext>
     </p:extLst>
   </p:cSld>
@@ -3671,7 +4099,11 @@
           <a:bodyPr/>
           <a:lstStyle/>
           <a:p>
-            <a:endParaRPr lang="zh-TW" altLang="en-US"/>
+            <a:r>
+              <a:rPr lang="en-US" altLang="zh-TW" dirty="0" smtClean="0"/>
+              <a:t>terminal</a:t>
+            </a:r>
+            <a:endParaRPr lang="zh-TW" altLang="en-US" dirty="0"/>
           </a:p>
         </p:txBody>
       </p:sp>
@@ -3700,8 +4132,8 @@
         </p:blipFill>
         <p:spPr bwMode="auto">
           <a:xfrm>
-            <a:off x="2395486" y="1600200"/>
-            <a:ext cx="4353027" cy="4525963"/>
+            <a:off x="1095375" y="1758156"/>
+            <a:ext cx="6953250" cy="4210050"/>
           </a:xfrm>
           <a:prstGeom prst="rect">
             <a:avLst/>
@@ -3734,7 +4166,7 @@
     </p:spTree>
     <p:extLst>
       <p:ext uri="{BB962C8B-B14F-4D97-AF65-F5344CB8AC3E}">
-        <p14:creationId xmlns:p14="http://schemas.microsoft.com/office/powerpoint/2010/main" val="2543468642"/>
+        <p14:creationId xmlns:p14="http://schemas.microsoft.com/office/powerpoint/2010/main" val="4248347484"/>
       </p:ext>
     </p:extLst>
   </p:cSld>
@@ -3805,8 +4237,8 @@
         </p:blipFill>
         <p:spPr bwMode="auto">
           <a:xfrm>
-            <a:off x="539552" y="1556792"/>
-            <a:ext cx="3028950" cy="1743075"/>
+            <a:off x="2340497" y="1600200"/>
+            <a:ext cx="4463005" cy="4525963"/>
           </a:xfrm>
           <a:prstGeom prst="rect">
             <a:avLst/>
@@ -3836,118 +4268,10 @@
           </a:extLst>
         </p:spPr>
       </p:pic>
-      <p:pic>
-        <p:nvPicPr>
-          <p:cNvPr id="3075" name="Picture 3"/>
-          <p:cNvPicPr>
-            <a:picLocks noChangeAspect="1" noChangeArrowheads="1"/>
-          </p:cNvPicPr>
-          <p:nvPr/>
-        </p:nvPicPr>
-        <p:blipFill>
-          <a:blip r:embed="rId3">
-            <a:extLst>
-              <a:ext uri="{28A0092B-C50C-407E-A947-70E740481C1C}">
-                <a14:useLocalDpi xmlns:a14="http://schemas.microsoft.com/office/drawing/2010/main" val="0"/>
-              </a:ext>
-            </a:extLst>
-          </a:blip>
-          <a:srcRect/>
-          <a:stretch>
-            <a:fillRect/>
-          </a:stretch>
-        </p:blipFill>
-        <p:spPr bwMode="auto">
-          <a:xfrm>
-            <a:off x="5027307" y="1556792"/>
-            <a:ext cx="2880320" cy="2085008"/>
-          </a:xfrm>
-          <a:prstGeom prst="rect">
-            <a:avLst/>
-          </a:prstGeom>
-          <a:noFill/>
-          <a:ln>
-            <a:noFill/>
-          </a:ln>
-          <a:extLst>
-            <a:ext uri="{909E8E84-426E-40DD-AFC4-6F175D3DCCD1}">
-              <a14:hiddenFill xmlns:a14="http://schemas.microsoft.com/office/drawing/2010/main">
-                <a:solidFill>
-                  <a:schemeClr val="accent1"/>
-                </a:solidFill>
-              </a14:hiddenFill>
-            </a:ext>
-            <a:ext uri="{91240B29-F687-4F45-9708-019B960494DF}">
-              <a14:hiddenLine xmlns:a14="http://schemas.microsoft.com/office/drawing/2010/main" w="9525">
-                <a:solidFill>
-                  <a:schemeClr val="tx1"/>
-                </a:solidFill>
-                <a:miter lim="800000"/>
-                <a:headEnd/>
-                <a:tailEnd/>
-              </a14:hiddenLine>
-            </a:ext>
-          </a:extLst>
-        </p:spPr>
-      </p:pic>
-      <p:pic>
-        <p:nvPicPr>
-          <p:cNvPr id="3076" name="Picture 4"/>
-          <p:cNvPicPr>
-            <a:picLocks noChangeAspect="1" noChangeArrowheads="1"/>
-          </p:cNvPicPr>
-          <p:nvPr/>
-        </p:nvPicPr>
-        <p:blipFill>
-          <a:blip r:embed="rId4">
-            <a:extLst>
-              <a:ext uri="{28A0092B-C50C-407E-A947-70E740481C1C}">
-                <a14:useLocalDpi xmlns:a14="http://schemas.microsoft.com/office/drawing/2010/main" val="0"/>
-              </a:ext>
-            </a:extLst>
-          </a:blip>
-          <a:srcRect/>
-          <a:stretch>
-            <a:fillRect/>
-          </a:stretch>
-        </p:blipFill>
-        <p:spPr bwMode="auto">
-          <a:xfrm>
-            <a:off x="827584" y="3861048"/>
-            <a:ext cx="5362575" cy="2305050"/>
-          </a:xfrm>
-          <a:prstGeom prst="rect">
-            <a:avLst/>
-          </a:prstGeom>
-          <a:noFill/>
-          <a:ln>
-            <a:noFill/>
-          </a:ln>
-          <a:extLst>
-            <a:ext uri="{909E8E84-426E-40DD-AFC4-6F175D3DCCD1}">
-              <a14:hiddenFill xmlns:a14="http://schemas.microsoft.com/office/drawing/2010/main">
-                <a:solidFill>
-                  <a:schemeClr val="accent1"/>
-                </a:solidFill>
-              </a14:hiddenFill>
-            </a:ext>
-            <a:ext uri="{91240B29-F687-4F45-9708-019B960494DF}">
-              <a14:hiddenLine xmlns:a14="http://schemas.microsoft.com/office/drawing/2010/main" w="9525">
-                <a:solidFill>
-                  <a:schemeClr val="tx1"/>
-                </a:solidFill>
-                <a:miter lim="800000"/>
-                <a:headEnd/>
-                <a:tailEnd/>
-              </a14:hiddenLine>
-            </a:ext>
-          </a:extLst>
-        </p:spPr>
-      </p:pic>
     </p:spTree>
     <p:extLst>
       <p:ext uri="{BB962C8B-B14F-4D97-AF65-F5344CB8AC3E}">
-        <p14:creationId xmlns:p14="http://schemas.microsoft.com/office/powerpoint/2010/main" val="1269380451"/>
+        <p14:creationId xmlns:p14="http://schemas.microsoft.com/office/powerpoint/2010/main" val="1356862791"/>
       </p:ext>
     </p:extLst>
   </p:cSld>
@@ -3995,7 +4319,7 @@
       </p:sp>
       <p:pic>
         <p:nvPicPr>
-          <p:cNvPr id="4099" name="Picture 3"/>
+          <p:cNvPr id="4098" name="Picture 2"/>
           <p:cNvPicPr>
             <a:picLocks noGrp="1" noChangeAspect="1" noChangeArrowheads="1"/>
           </p:cNvPicPr>
@@ -4018,8 +4342,8 @@
         </p:blipFill>
         <p:spPr bwMode="auto">
           <a:xfrm>
-            <a:off x="494015" y="1600200"/>
-            <a:ext cx="8155970" cy="4525963"/>
+            <a:off x="1071562" y="1891506"/>
+            <a:ext cx="7000875" cy="3943350"/>
           </a:xfrm>
           <a:prstGeom prst="rect">
             <a:avLst/>
@@ -4052,7 +4376,7 @@
     </p:spTree>
     <p:extLst>
       <p:ext uri="{BB962C8B-B14F-4D97-AF65-F5344CB8AC3E}">
-        <p14:creationId xmlns:p14="http://schemas.microsoft.com/office/powerpoint/2010/main" val="1005322826"/>
+        <p14:creationId xmlns:p14="http://schemas.microsoft.com/office/powerpoint/2010/main" val="2781153980"/>
       </p:ext>
     </p:extLst>
   </p:cSld>
@@ -4123,8 +4447,8 @@
         </p:blipFill>
         <p:spPr bwMode="auto">
           <a:xfrm>
-            <a:off x="1415935" y="1600200"/>
-            <a:ext cx="6312129" cy="4525963"/>
+            <a:off x="1181498" y="1600200"/>
+            <a:ext cx="6781004" cy="4525963"/>
           </a:xfrm>
           <a:prstGeom prst="rect">
             <a:avLst/>
@@ -4157,7 +4481,7 @@
     </p:spTree>
     <p:extLst>
       <p:ext uri="{BB962C8B-B14F-4D97-AF65-F5344CB8AC3E}">
-        <p14:creationId xmlns:p14="http://schemas.microsoft.com/office/powerpoint/2010/main" val="715413892"/>
+        <p14:creationId xmlns:p14="http://schemas.microsoft.com/office/powerpoint/2010/main" val="247612335"/>
       </p:ext>
     </p:extLst>
   </p:cSld>
@@ -4228,8 +4552,8 @@
         </p:blipFill>
         <p:spPr bwMode="auto">
           <a:xfrm>
-            <a:off x="870944" y="1600200"/>
-            <a:ext cx="7402111" cy="4525963"/>
+            <a:off x="457200" y="1733949"/>
+            <a:ext cx="8229600" cy="4258464"/>
           </a:xfrm>
           <a:prstGeom prst="rect">
             <a:avLst/>
@@ -4262,7 +4586,7 @@
     </p:spTree>
     <p:extLst>
       <p:ext uri="{BB962C8B-B14F-4D97-AF65-F5344CB8AC3E}">
-        <p14:creationId xmlns:p14="http://schemas.microsoft.com/office/powerpoint/2010/main" val="69121014"/>
+        <p14:creationId xmlns:p14="http://schemas.microsoft.com/office/powerpoint/2010/main" val="2169287221"/>
       </p:ext>
     </p:extLst>
   </p:cSld>
@@ -4304,36 +4628,23 @@
           <a:bodyPr/>
           <a:lstStyle/>
           <a:p>
-            <a:endParaRPr lang="zh-TW" altLang="en-US"/>
-          </a:p>
-        </p:txBody>
-      </p:sp>
-      <p:sp>
-        <p:nvSpPr>
-          <p:cNvPr id="3" name="內容版面配置區 2"/>
-          <p:cNvSpPr>
-            <a:spLocks noGrp="1"/>
-          </p:cNvSpPr>
-          <p:nvPr>
-            <p:ph idx="1"/>
-          </p:nvPr>
-        </p:nvSpPr>
-        <p:spPr/>
-        <p:txBody>
-          <a:bodyPr/>
-          <a:lstStyle/>
-          <a:p>
-            <a:endParaRPr lang="zh-TW" altLang="en-US"/>
+            <a:r>
+              <a:rPr lang="en-US" altLang="zh-TW" dirty="0" err="1" smtClean="0"/>
+              <a:t>ghidra</a:t>
+            </a:r>
+            <a:endParaRPr lang="zh-TW" altLang="en-US" dirty="0"/>
           </a:p>
         </p:txBody>
       </p:sp>
       <p:pic>
         <p:nvPicPr>
-          <p:cNvPr id="7170" name="Picture 2"/>
+          <p:cNvPr id="7171" name="Picture 3"/>
           <p:cNvPicPr>
-            <a:picLocks noChangeAspect="1" noChangeArrowheads="1"/>
+            <a:picLocks noGrp="1" noChangeAspect="1" noChangeArrowheads="1"/>
           </p:cNvPicPr>
-          <p:nvPr/>
+          <p:nvPr>
+            <p:ph idx="1"/>
+          </p:nvPr>
         </p:nvPicPr>
         <p:blipFill>
           <a:blip r:embed="rId2">
@@ -4350,8 +4661,8 @@
         </p:blipFill>
         <p:spPr bwMode="auto">
           <a:xfrm>
-            <a:off x="2150014" y="1505687"/>
-            <a:ext cx="2990850" cy="990600"/>
+            <a:off x="457200" y="1787752"/>
+            <a:ext cx="8229600" cy="4150859"/>
           </a:xfrm>
           <a:prstGeom prst="rect">
             <a:avLst/>
@@ -4381,172 +4692,10 @@
           </a:extLst>
         </p:spPr>
       </p:pic>
-      <p:pic>
-        <p:nvPicPr>
-          <p:cNvPr id="7171" name="Picture 3"/>
-          <p:cNvPicPr>
-            <a:picLocks noChangeAspect="1" noChangeArrowheads="1"/>
-          </p:cNvPicPr>
-          <p:nvPr/>
-        </p:nvPicPr>
-        <p:blipFill>
-          <a:blip r:embed="rId3">
-            <a:extLst>
-              <a:ext uri="{28A0092B-C50C-407E-A947-70E740481C1C}">
-                <a14:useLocalDpi xmlns:a14="http://schemas.microsoft.com/office/drawing/2010/main" val="0"/>
-              </a:ext>
-            </a:extLst>
-          </a:blip>
-          <a:srcRect/>
-          <a:stretch>
-            <a:fillRect/>
-          </a:stretch>
-        </p:blipFill>
-        <p:spPr bwMode="auto">
-          <a:xfrm>
-            <a:off x="1806005" y="2496287"/>
-            <a:ext cx="3228578" cy="1088534"/>
-          </a:xfrm>
-          <a:prstGeom prst="rect">
-            <a:avLst/>
-          </a:prstGeom>
-          <a:noFill/>
-          <a:ln>
-            <a:noFill/>
-          </a:ln>
-          <a:extLst>
-            <a:ext uri="{909E8E84-426E-40DD-AFC4-6F175D3DCCD1}">
-              <a14:hiddenFill xmlns:a14="http://schemas.microsoft.com/office/drawing/2010/main">
-                <a:solidFill>
-                  <a:schemeClr val="accent1"/>
-                </a:solidFill>
-              </a14:hiddenFill>
-            </a:ext>
-            <a:ext uri="{91240B29-F687-4F45-9708-019B960494DF}">
-              <a14:hiddenLine xmlns:a14="http://schemas.microsoft.com/office/drawing/2010/main" w="9525">
-                <a:solidFill>
-                  <a:schemeClr val="tx1"/>
-                </a:solidFill>
-                <a:miter lim="800000"/>
-                <a:headEnd/>
-                <a:tailEnd/>
-              </a14:hiddenLine>
-            </a:ext>
-          </a:extLst>
-        </p:spPr>
-      </p:pic>
-      <p:pic>
-        <p:nvPicPr>
-          <p:cNvPr id="7173" name="Picture 5"/>
-          <p:cNvPicPr>
-            <a:picLocks noChangeAspect="1" noChangeArrowheads="1"/>
-          </p:cNvPicPr>
-          <p:nvPr/>
-        </p:nvPicPr>
-        <p:blipFill>
-          <a:blip r:embed="rId4">
-            <a:extLst>
-              <a:ext uri="{28A0092B-C50C-407E-A947-70E740481C1C}">
-                <a14:useLocalDpi xmlns:a14="http://schemas.microsoft.com/office/drawing/2010/main" val="0"/>
-              </a:ext>
-            </a:extLst>
-          </a:blip>
-          <a:srcRect/>
-          <a:stretch>
-            <a:fillRect/>
-          </a:stretch>
-        </p:blipFill>
-        <p:spPr bwMode="auto">
-          <a:xfrm>
-            <a:off x="1378620" y="3584821"/>
-            <a:ext cx="4083347" cy="885825"/>
-          </a:xfrm>
-          <a:prstGeom prst="rect">
-            <a:avLst/>
-          </a:prstGeom>
-          <a:noFill/>
-          <a:ln>
-            <a:noFill/>
-          </a:ln>
-          <a:extLst>
-            <a:ext uri="{909E8E84-426E-40DD-AFC4-6F175D3DCCD1}">
-              <a14:hiddenFill xmlns:a14="http://schemas.microsoft.com/office/drawing/2010/main">
-                <a:solidFill>
-                  <a:schemeClr val="accent1"/>
-                </a:solidFill>
-              </a14:hiddenFill>
-            </a:ext>
-            <a:ext uri="{91240B29-F687-4F45-9708-019B960494DF}">
-              <a14:hiddenLine xmlns:a14="http://schemas.microsoft.com/office/drawing/2010/main" w="9525">
-                <a:solidFill>
-                  <a:schemeClr val="tx1"/>
-                </a:solidFill>
-                <a:miter lim="800000"/>
-                <a:headEnd/>
-                <a:tailEnd/>
-              </a14:hiddenLine>
-            </a:ext>
-          </a:extLst>
-        </p:spPr>
-      </p:pic>
-      <p:pic>
-        <p:nvPicPr>
-          <p:cNvPr id="7174" name="Picture 6"/>
-          <p:cNvPicPr>
-            <a:picLocks noChangeAspect="1" noChangeArrowheads="1"/>
-          </p:cNvPicPr>
-          <p:nvPr/>
-        </p:nvPicPr>
-        <p:blipFill>
-          <a:blip r:embed="rId5">
-            <a:extLst>
-              <a:ext uri="{28A0092B-C50C-407E-A947-70E740481C1C}">
-                <a14:useLocalDpi xmlns:a14="http://schemas.microsoft.com/office/drawing/2010/main" val="0"/>
-              </a:ext>
-            </a:extLst>
-          </a:blip>
-          <a:srcRect/>
-          <a:stretch>
-            <a:fillRect/>
-          </a:stretch>
-        </p:blipFill>
-        <p:spPr bwMode="auto">
-          <a:xfrm>
-            <a:off x="2188114" y="5013176"/>
-            <a:ext cx="2952750" cy="676275"/>
-          </a:xfrm>
-          <a:prstGeom prst="rect">
-            <a:avLst/>
-          </a:prstGeom>
-          <a:noFill/>
-          <a:ln>
-            <a:noFill/>
-          </a:ln>
-          <a:extLst>
-            <a:ext uri="{909E8E84-426E-40DD-AFC4-6F175D3DCCD1}">
-              <a14:hiddenFill xmlns:a14="http://schemas.microsoft.com/office/drawing/2010/main">
-                <a:solidFill>
-                  <a:schemeClr val="accent1"/>
-                </a:solidFill>
-              </a14:hiddenFill>
-            </a:ext>
-            <a:ext uri="{91240B29-F687-4F45-9708-019B960494DF}">
-              <a14:hiddenLine xmlns:a14="http://schemas.microsoft.com/office/drawing/2010/main" w="9525">
-                <a:solidFill>
-                  <a:schemeClr val="tx1"/>
-                </a:solidFill>
-                <a:miter lim="800000"/>
-                <a:headEnd/>
-                <a:tailEnd/>
-              </a14:hiddenLine>
-            </a:ext>
-          </a:extLst>
-        </p:spPr>
-      </p:pic>
     </p:spTree>
     <p:extLst>
       <p:ext uri="{BB962C8B-B14F-4D97-AF65-F5344CB8AC3E}">
-        <p14:creationId xmlns:p14="http://schemas.microsoft.com/office/powerpoint/2010/main" val="3039077294"/>
+        <p14:creationId xmlns:p14="http://schemas.microsoft.com/office/powerpoint/2010/main" val="3046610525"/>
       </p:ext>
     </p:extLst>
   </p:cSld>
@@ -4617,8 +4766,8 @@
         </p:blipFill>
         <p:spPr bwMode="auto">
           <a:xfrm>
-            <a:off x="1828800" y="2858294"/>
-            <a:ext cx="5486400" cy="2009775"/>
+            <a:off x="713841" y="1600200"/>
+            <a:ext cx="7716318" cy="4525963"/>
           </a:xfrm>
           <a:prstGeom prst="rect">
             <a:avLst/>
@@ -4651,7 +4800,7 @@
     </p:spTree>
     <p:extLst>
       <p:ext uri="{BB962C8B-B14F-4D97-AF65-F5344CB8AC3E}">
-        <p14:creationId xmlns:p14="http://schemas.microsoft.com/office/powerpoint/2010/main" val="3211064950"/>
+        <p14:creationId xmlns:p14="http://schemas.microsoft.com/office/powerpoint/2010/main" val="1784815315"/>
       </p:ext>
     </p:extLst>
   </p:cSld>
